--- a/database/slides/GOD_OF_MERCY.pptx
+++ b/database/slides/GOD_OF_MERCY.pptx
@@ -16094,7 +16094,13 @@
       </p:sp>
       <p:sp>
         <p:nvSpPr>
-          <p:cNvPr id="131" name="Google Shape;131;p25"/>
+          <p:cNvPr id="2" name="Google Shape;131;p25">
+            <a:extLst>
+              <a:ext uri="{FF2B5EF4-FFF2-40B4-BE49-F238E27FC236}">
+                <a16:creationId xmlns:a16="http://schemas.microsoft.com/office/drawing/2014/main" id="{4BDD6867-2A0A-E9CD-C2FF-FBA6F1B2D968}"/>
+              </a:ext>
+            </a:extLst>
+          </p:cNvPr>
           <p:cNvSpPr txBox="1"/>
           <p:nvPr/>
         </p:nvSpPr>
@@ -16139,9 +16145,16 @@
                 <a:latin typeface="Calibri"/>
                 <a:ea typeface="Calibri"/>
                 <a:cs typeface="Calibri"/>
+                <a:sym typeface="Calibri"/>
               </a:rPr>
               <a:t>contd..</a:t>
             </a:r>
+            <a:endParaRPr sz="3600" dirty="0">
+              <a:latin typeface="Calibri"/>
+              <a:ea typeface="Calibri"/>
+              <a:cs typeface="Calibri"/>
+              <a:sym typeface="Calibri"/>
+            </a:endParaRPr>
           </a:p>
         </p:txBody>
       </p:sp>
@@ -16529,7 +16542,13 @@
       </p:sp>
       <p:sp>
         <p:nvSpPr>
-          <p:cNvPr id="131" name="Google Shape;131;p25"/>
+          <p:cNvPr id="2" name="Google Shape;131;p25">
+            <a:extLst>
+              <a:ext uri="{FF2B5EF4-FFF2-40B4-BE49-F238E27FC236}">
+                <a16:creationId xmlns:a16="http://schemas.microsoft.com/office/drawing/2014/main" id="{48815849-938E-ED60-0BA5-6474FEBB26F1}"/>
+              </a:ext>
+            </a:extLst>
+          </p:cNvPr>
           <p:cNvSpPr txBox="1"/>
           <p:nvPr/>
         </p:nvSpPr>
@@ -16574,9 +16593,16 @@
                 <a:latin typeface="Calibri"/>
                 <a:ea typeface="Calibri"/>
                 <a:cs typeface="Calibri"/>
+                <a:sym typeface="Calibri"/>
               </a:rPr>
               <a:t>contd..</a:t>
             </a:r>
+            <a:endParaRPr sz="3600" dirty="0">
+              <a:latin typeface="Calibri"/>
+              <a:ea typeface="Calibri"/>
+              <a:cs typeface="Calibri"/>
+              <a:sym typeface="Calibri"/>
+            </a:endParaRPr>
           </a:p>
         </p:txBody>
       </p:sp>
@@ -16964,7 +16990,13 @@
       </p:sp>
       <p:sp>
         <p:nvSpPr>
-          <p:cNvPr id="131" name="Google Shape;131;p25"/>
+          <p:cNvPr id="2" name="Google Shape;131;p25">
+            <a:extLst>
+              <a:ext uri="{FF2B5EF4-FFF2-40B4-BE49-F238E27FC236}">
+                <a16:creationId xmlns:a16="http://schemas.microsoft.com/office/drawing/2014/main" id="{5AF31329-6262-DBC8-8D7C-7FB1F95D77B1}"/>
+              </a:ext>
+            </a:extLst>
+          </p:cNvPr>
           <p:cNvSpPr txBox="1"/>
           <p:nvPr/>
         </p:nvSpPr>
@@ -17009,9 +17041,16 @@
                 <a:latin typeface="Calibri"/>
                 <a:ea typeface="Calibri"/>
                 <a:cs typeface="Calibri"/>
+                <a:sym typeface="Calibri"/>
               </a:rPr>
               <a:t>contd..</a:t>
             </a:r>
+            <a:endParaRPr sz="3600" dirty="0">
+              <a:latin typeface="Calibri"/>
+              <a:ea typeface="Calibri"/>
+              <a:cs typeface="Calibri"/>
+              <a:sym typeface="Calibri"/>
+            </a:endParaRPr>
           </a:p>
         </p:txBody>
       </p:sp>
